--- a/slides/04-数组-字符串与正则表达式.pptx
+++ b/slides/04-数组-字符串与正则表达式.pptx
@@ -187,14 +187,6 @@
 </p:presentation>
 </file>
 
-<file path=ppt/revisionInfo.xml><?xml version="1.0" encoding="utf-8"?>
-<p1510:revInfo xmlns:a="http://schemas.openxmlformats.org/drawingml/2006/main" xmlns:r="http://schemas.openxmlformats.org/officeDocument/2006/relationships" xmlns:p1510="http://schemas.microsoft.com/office/powerpoint/2015/10/main">
-  <p1510:revLst>
-    <p1510:client id="{A46DFD4E-C018-417E-AEF5-A9F90C250FAF}" v="65" dt="2024-03-05T09:30:11.101"/>
-  </p1510:revLst>
-</p1510:revInfo>
-</file>
-
 <file path=ppt/changesInfos/changesInfo1.xml><?xml version="1.0" encoding="utf-8"?>
 <pc:chgInfo xmlns:a="http://schemas.openxmlformats.org/drawingml/2006/main" xmlns:r="http://schemas.openxmlformats.org/officeDocument/2006/relationships" xmlns:ac="http://schemas.microsoft.com/office/drawing/2013/main/command" xmlns:pc="http://schemas.microsoft.com/office/powerpoint/2013/main/command">
   <pc:docChgLst>
@@ -221,6 +213,30 @@
     </pc:docChg>
   </pc:docChgLst>
   <pc:docChgLst>
+    <pc:chgData name="pdcxs" userId="f53f700a-6709-4045-8975-3edaa594be1c" providerId="ADAL" clId="{45F2102E-3A41-44A3-A226-4197875AB4F8}"/>
+    <pc:docChg chg="modSld">
+      <pc:chgData name="pdcxs" userId="f53f700a-6709-4045-8975-3edaa594be1c" providerId="ADAL" clId="{45F2102E-3A41-44A3-A226-4197875AB4F8}" dt="2025-04-14T12:12:51.744" v="0"/>
+      <pc:docMkLst>
+        <pc:docMk/>
+      </pc:docMkLst>
+      <pc:sldChg chg="modSp mod">
+        <pc:chgData name="pdcxs" userId="f53f700a-6709-4045-8975-3edaa594be1c" providerId="ADAL" clId="{45F2102E-3A41-44A3-A226-4197875AB4F8}" dt="2025-04-14T12:12:51.744" v="0"/>
+        <pc:sldMkLst>
+          <pc:docMk/>
+          <pc:sldMk cId="960829053" sldId="353"/>
+        </pc:sldMkLst>
+        <pc:spChg chg="mod">
+          <ac:chgData name="pdcxs" userId="f53f700a-6709-4045-8975-3edaa594be1c" providerId="ADAL" clId="{45F2102E-3A41-44A3-A226-4197875AB4F8}" dt="2025-04-14T12:12:51.744" v="0"/>
+          <ac:spMkLst>
+            <pc:docMk/>
+            <pc:sldMk cId="960829053" sldId="353"/>
+            <ac:spMk id="21" creationId="{00000000-0000-0000-0000-000000000000}"/>
+          </ac:spMkLst>
+        </pc:spChg>
+      </pc:sldChg>
+    </pc:docChg>
+  </pc:docChgLst>
+  <pc:docChgLst>
     <pc:chgData name="pdcxs" userId="f53f700a-6709-4045-8975-3edaa594be1c" providerId="ADAL" clId="{A46DFD4E-C018-417E-AEF5-A9F90C250FAF}"/>
     <pc:docChg chg="undo custSel addSld delSld modSld">
       <pc:chgData name="pdcxs" userId="f53f700a-6709-4045-8975-3edaa594be1c" providerId="ADAL" clId="{A46DFD4E-C018-417E-AEF5-A9F90C250FAF}" dt="2024-03-05T10:13:43.985" v="453" actId="20577"/>
@@ -233,62 +249,6 @@
           <pc:docMk/>
           <pc:sldMk cId="3207270699" sldId="334"/>
         </pc:sldMkLst>
-        <pc:spChg chg="mod">
-          <ac:chgData name="pdcxs" userId="f53f700a-6709-4045-8975-3edaa594be1c" providerId="ADAL" clId="{A46DFD4E-C018-417E-AEF5-A9F90C250FAF}" dt="2024-03-05T08:56:13.682" v="32" actId="20577"/>
-          <ac:spMkLst>
-            <pc:docMk/>
-            <pc:sldMk cId="3207270699" sldId="334"/>
-            <ac:spMk id="16" creationId="{F82E9B13-A428-4D7B-B90E-6C6AF437FC36}"/>
-          </ac:spMkLst>
-        </pc:spChg>
-        <pc:spChg chg="mod">
-          <ac:chgData name="pdcxs" userId="f53f700a-6709-4045-8975-3edaa594be1c" providerId="ADAL" clId="{A46DFD4E-C018-417E-AEF5-A9F90C250FAF}" dt="2024-03-05T09:38:59.546" v="324" actId="1036"/>
-          <ac:spMkLst>
-            <pc:docMk/>
-            <pc:sldMk cId="3207270699" sldId="334"/>
-            <ac:spMk id="17" creationId="{BF94ED52-0853-44D2-A72A-4D8AC1E1314A}"/>
-          </ac:spMkLst>
-        </pc:spChg>
-        <pc:spChg chg="mod">
-          <ac:chgData name="pdcxs" userId="f53f700a-6709-4045-8975-3edaa594be1c" providerId="ADAL" clId="{A46DFD4E-C018-417E-AEF5-A9F90C250FAF}" dt="2024-03-05T09:38:59.546" v="324" actId="1036"/>
-          <ac:spMkLst>
-            <pc:docMk/>
-            <pc:sldMk cId="3207270699" sldId="334"/>
-            <ac:spMk id="18" creationId="{A2475A01-A659-45D7-A2DE-9F1E2BEE25B0}"/>
-          </ac:spMkLst>
-        </pc:spChg>
-        <pc:spChg chg="del">
-          <ac:chgData name="pdcxs" userId="f53f700a-6709-4045-8975-3edaa594be1c" providerId="ADAL" clId="{A46DFD4E-C018-417E-AEF5-A9F90C250FAF}" dt="2024-03-05T09:38:51.669" v="314" actId="478"/>
-          <ac:spMkLst>
-            <pc:docMk/>
-            <pc:sldMk cId="3207270699" sldId="334"/>
-            <ac:spMk id="19" creationId="{A1C616B0-071C-4A84-BCA0-3B9654C4B601}"/>
-          </ac:spMkLst>
-        </pc:spChg>
-        <pc:spChg chg="mod">
-          <ac:chgData name="pdcxs" userId="f53f700a-6709-4045-8975-3edaa594be1c" providerId="ADAL" clId="{A46DFD4E-C018-417E-AEF5-A9F90C250FAF}" dt="2024-03-05T09:38:55.513" v="320" actId="1036"/>
-          <ac:spMkLst>
-            <pc:docMk/>
-            <pc:sldMk cId="3207270699" sldId="334"/>
-            <ac:spMk id="20" creationId="{5A7B914C-73B1-43A1-9986-D99CA2D7A5B6}"/>
-          </ac:spMkLst>
-        </pc:spChg>
-        <pc:spChg chg="mod">
-          <ac:chgData name="pdcxs" userId="f53f700a-6709-4045-8975-3edaa594be1c" providerId="ADAL" clId="{A46DFD4E-C018-417E-AEF5-A9F90C250FAF}" dt="2024-03-05T09:38:55.513" v="320" actId="1036"/>
-          <ac:spMkLst>
-            <pc:docMk/>
-            <pc:sldMk cId="3207270699" sldId="334"/>
-            <ac:spMk id="21" creationId="{9E2A30FA-B0B3-48FE-B5D5-C23E6E982624}"/>
-          </ac:spMkLst>
-        </pc:spChg>
-        <pc:spChg chg="del">
-          <ac:chgData name="pdcxs" userId="f53f700a-6709-4045-8975-3edaa594be1c" providerId="ADAL" clId="{A46DFD4E-C018-417E-AEF5-A9F90C250FAF}" dt="2024-03-05T09:38:50.490" v="313" actId="478"/>
-          <ac:spMkLst>
-            <pc:docMk/>
-            <pc:sldMk cId="3207270699" sldId="334"/>
-            <ac:spMk id="22" creationId="{81703B28-A788-49C6-AAA7-9BC68628AD69}"/>
-          </ac:spMkLst>
-        </pc:spChg>
       </pc:sldChg>
       <pc:sldChg chg="modSp mod">
         <pc:chgData name="pdcxs" userId="f53f700a-6709-4045-8975-3edaa594be1c" providerId="ADAL" clId="{A46DFD4E-C018-417E-AEF5-A9F90C250FAF}" dt="2024-03-05T09:49:05.020" v="379" actId="20577"/>
@@ -296,22 +256,6 @@
           <pc:docMk/>
           <pc:sldMk cId="1125841693" sldId="338"/>
         </pc:sldMkLst>
-        <pc:spChg chg="mod">
-          <ac:chgData name="pdcxs" userId="f53f700a-6709-4045-8975-3edaa594be1c" providerId="ADAL" clId="{A46DFD4E-C018-417E-AEF5-A9F90C250FAF}" dt="2024-03-05T09:44:56.178" v="353" actId="20577"/>
-          <ac:spMkLst>
-            <pc:docMk/>
-            <pc:sldMk cId="1125841693" sldId="338"/>
-            <ac:spMk id="3" creationId="{73F121ED-C6B1-416F-83C1-41511987F7A4}"/>
-          </ac:spMkLst>
-        </pc:spChg>
-        <pc:spChg chg="mod">
-          <ac:chgData name="pdcxs" userId="f53f700a-6709-4045-8975-3edaa594be1c" providerId="ADAL" clId="{A46DFD4E-C018-417E-AEF5-A9F90C250FAF}" dt="2024-03-05T09:49:05.020" v="379" actId="20577"/>
-          <ac:spMkLst>
-            <pc:docMk/>
-            <pc:sldMk cId="1125841693" sldId="338"/>
-            <ac:spMk id="6" creationId="{0D9CE043-B868-4869-8C0C-28E51DA6FAFF}"/>
-          </ac:spMkLst>
-        </pc:spChg>
       </pc:sldChg>
       <pc:sldChg chg="modSp mod">
         <pc:chgData name="pdcxs" userId="f53f700a-6709-4045-8975-3edaa594be1c" providerId="ADAL" clId="{A46DFD4E-C018-417E-AEF5-A9F90C250FAF}" dt="2024-03-05T09:57:26.283" v="400" actId="20577"/>
@@ -319,14 +263,6 @@
           <pc:docMk/>
           <pc:sldMk cId="4278077646" sldId="345"/>
         </pc:sldMkLst>
-        <pc:spChg chg="mod">
-          <ac:chgData name="pdcxs" userId="f53f700a-6709-4045-8975-3edaa594be1c" providerId="ADAL" clId="{A46DFD4E-C018-417E-AEF5-A9F90C250FAF}" dt="2024-03-05T09:57:26.283" v="400" actId="20577"/>
-          <ac:spMkLst>
-            <pc:docMk/>
-            <pc:sldMk cId="4278077646" sldId="345"/>
-            <ac:spMk id="15" creationId="{A23CAD60-65BB-44E4-8998-30D255F3FD96}"/>
-          </ac:spMkLst>
-        </pc:spChg>
       </pc:sldChg>
       <pc:sldChg chg="modSp mod">
         <pc:chgData name="pdcxs" userId="f53f700a-6709-4045-8975-3edaa594be1c" providerId="ADAL" clId="{A46DFD4E-C018-417E-AEF5-A9F90C250FAF}" dt="2024-03-05T10:13:43.985" v="453" actId="20577"/>
@@ -334,22 +270,6 @@
           <pc:docMk/>
           <pc:sldMk cId="3228479148" sldId="352"/>
         </pc:sldMkLst>
-        <pc:spChg chg="mod">
-          <ac:chgData name="pdcxs" userId="f53f700a-6709-4045-8975-3edaa594be1c" providerId="ADAL" clId="{A46DFD4E-C018-417E-AEF5-A9F90C250FAF}" dt="2024-03-05T10:01:10.335" v="427" actId="20577"/>
-          <ac:spMkLst>
-            <pc:docMk/>
-            <pc:sldMk cId="3228479148" sldId="352"/>
-            <ac:spMk id="13" creationId="{22ABDCEA-E95A-4DF7-9569-24D3597DA357}"/>
-          </ac:spMkLst>
-        </pc:spChg>
-        <pc:spChg chg="mod">
-          <ac:chgData name="pdcxs" userId="f53f700a-6709-4045-8975-3edaa594be1c" providerId="ADAL" clId="{A46DFD4E-C018-417E-AEF5-A9F90C250FAF}" dt="2024-03-05T10:13:43.985" v="453" actId="20577"/>
-          <ac:spMkLst>
-            <pc:docMk/>
-            <pc:sldMk cId="3228479148" sldId="352"/>
-            <ac:spMk id="15" creationId="{3F95A660-871F-4A1F-A873-9FC35C4BC5F0}"/>
-          </ac:spMkLst>
-        </pc:spChg>
       </pc:sldChg>
       <pc:sldChg chg="new del">
         <pc:chgData name="pdcxs" userId="f53f700a-6709-4045-8975-3edaa594be1c" providerId="ADAL" clId="{A46DFD4E-C018-417E-AEF5-A9F90C250FAF}" dt="2024-03-05T09:17:57.703" v="44" actId="47"/>
@@ -364,246 +284,6 @@
           <pc:docMk/>
           <pc:sldMk cId="1584268748" sldId="354"/>
         </pc:sldMkLst>
-        <pc:spChg chg="del">
-          <ac:chgData name="pdcxs" userId="f53f700a-6709-4045-8975-3edaa594be1c" providerId="ADAL" clId="{A46DFD4E-C018-417E-AEF5-A9F90C250FAF}" dt="2024-03-05T09:18:11.294" v="47" actId="478"/>
-          <ac:spMkLst>
-            <pc:docMk/>
-            <pc:sldMk cId="1584268748" sldId="354"/>
-            <ac:spMk id="3" creationId="{EB7A2841-324B-4A2C-86C0-AAA11368A23C}"/>
-          </ac:spMkLst>
-        </pc:spChg>
-        <pc:spChg chg="add del mod">
-          <ac:chgData name="pdcxs" userId="f53f700a-6709-4045-8975-3edaa594be1c" providerId="ADAL" clId="{A46DFD4E-C018-417E-AEF5-A9F90C250FAF}" dt="2024-03-05T09:21:45.911" v="141" actId="478"/>
-          <ac:spMkLst>
-            <pc:docMk/>
-            <pc:sldMk cId="1584268748" sldId="354"/>
-            <ac:spMk id="4" creationId="{19396E9E-A560-C5AD-0F7F-E473FD08F0BC}"/>
-          </ac:spMkLst>
-        </pc:spChg>
-        <pc:spChg chg="add del mod">
-          <ac:chgData name="pdcxs" userId="f53f700a-6709-4045-8975-3edaa594be1c" providerId="ADAL" clId="{A46DFD4E-C018-417E-AEF5-A9F90C250FAF}" dt="2024-03-05T09:21:56.793" v="148" actId="478"/>
-          <ac:spMkLst>
-            <pc:docMk/>
-            <pc:sldMk cId="1584268748" sldId="354"/>
-            <ac:spMk id="5" creationId="{B328531D-CC0E-56F4-23E0-40784812EE72}"/>
-          </ac:spMkLst>
-        </pc:spChg>
-        <pc:spChg chg="add del mod">
-          <ac:chgData name="pdcxs" userId="f53f700a-6709-4045-8975-3edaa594be1c" providerId="ADAL" clId="{A46DFD4E-C018-417E-AEF5-A9F90C250FAF}" dt="2024-03-05T09:22:03.827" v="150" actId="478"/>
-          <ac:spMkLst>
-            <pc:docMk/>
-            <pc:sldMk cId="1584268748" sldId="354"/>
-            <ac:spMk id="6" creationId="{80E9BC8D-1CFB-657C-1598-F74E00E61A07}"/>
-          </ac:spMkLst>
-        </pc:spChg>
-        <pc:spChg chg="add del mod">
-          <ac:chgData name="pdcxs" userId="f53f700a-6709-4045-8975-3edaa594be1c" providerId="ADAL" clId="{A46DFD4E-C018-417E-AEF5-A9F90C250FAF}" dt="2024-03-05T09:22:16.881" v="157" actId="478"/>
-          <ac:spMkLst>
-            <pc:docMk/>
-            <pc:sldMk cId="1584268748" sldId="354"/>
-            <ac:spMk id="7" creationId="{5295E805-6A6B-B79F-25E9-AC02943F86D3}"/>
-          </ac:spMkLst>
-        </pc:spChg>
-        <pc:spChg chg="mod">
-          <ac:chgData name="pdcxs" userId="f53f700a-6709-4045-8975-3edaa594be1c" providerId="ADAL" clId="{A46DFD4E-C018-417E-AEF5-A9F90C250FAF}" dt="2024-03-05T09:18:08.760" v="46"/>
-          <ac:spMkLst>
-            <pc:docMk/>
-            <pc:sldMk cId="1584268748" sldId="354"/>
-            <ac:spMk id="12" creationId="{FBAB8972-87CC-4170-AA59-C469F5151BAD}"/>
-          </ac:spMkLst>
-        </pc:spChg>
-        <pc:spChg chg="add del mod">
-          <ac:chgData name="pdcxs" userId="f53f700a-6709-4045-8975-3edaa594be1c" providerId="ADAL" clId="{A46DFD4E-C018-417E-AEF5-A9F90C250FAF}" dt="2024-03-05T09:22:25.589" v="161" actId="478"/>
-          <ac:spMkLst>
-            <pc:docMk/>
-            <pc:sldMk cId="1584268748" sldId="354"/>
-            <ac:spMk id="15" creationId="{9D851CA2-54BC-0177-9C52-B869E523AFB7}"/>
-          </ac:spMkLst>
-        </pc:spChg>
-        <pc:spChg chg="del">
-          <ac:chgData name="pdcxs" userId="f53f700a-6709-4045-8975-3edaa594be1c" providerId="ADAL" clId="{A46DFD4E-C018-417E-AEF5-A9F90C250FAF}" dt="2024-03-05T09:18:12.274" v="48" actId="478"/>
-          <ac:spMkLst>
-            <pc:docMk/>
-            <pc:sldMk cId="1584268748" sldId="354"/>
-            <ac:spMk id="16" creationId="{F82E9B13-A428-4D7B-B90E-6C6AF437FC36}"/>
-          </ac:spMkLst>
-        </pc:spChg>
-        <pc:spChg chg="del">
-          <ac:chgData name="pdcxs" userId="f53f700a-6709-4045-8975-3edaa594be1c" providerId="ADAL" clId="{A46DFD4E-C018-417E-AEF5-A9F90C250FAF}" dt="2024-03-05T09:18:14.930" v="50" actId="478"/>
-          <ac:spMkLst>
-            <pc:docMk/>
-            <pc:sldMk cId="1584268748" sldId="354"/>
-            <ac:spMk id="17" creationId="{BF94ED52-0853-44D2-A72A-4D8AC1E1314A}"/>
-          </ac:spMkLst>
-        </pc:spChg>
-        <pc:spChg chg="del">
-          <ac:chgData name="pdcxs" userId="f53f700a-6709-4045-8975-3edaa594be1c" providerId="ADAL" clId="{A46DFD4E-C018-417E-AEF5-A9F90C250FAF}" dt="2024-03-05T09:18:14.010" v="49" actId="478"/>
-          <ac:spMkLst>
-            <pc:docMk/>
-            <pc:sldMk cId="1584268748" sldId="354"/>
-            <ac:spMk id="18" creationId="{A2475A01-A659-45D7-A2DE-9F1E2BEE25B0}"/>
-          </ac:spMkLst>
-        </pc:spChg>
-        <pc:spChg chg="del">
-          <ac:chgData name="pdcxs" userId="f53f700a-6709-4045-8975-3edaa594be1c" providerId="ADAL" clId="{A46DFD4E-C018-417E-AEF5-A9F90C250FAF}" dt="2024-03-05T09:18:18.101" v="54" actId="478"/>
-          <ac:spMkLst>
-            <pc:docMk/>
-            <pc:sldMk cId="1584268748" sldId="354"/>
-            <ac:spMk id="19" creationId="{A1C616B0-071C-4A84-BCA0-3B9654C4B601}"/>
-          </ac:spMkLst>
-        </pc:spChg>
-        <pc:spChg chg="del">
-          <ac:chgData name="pdcxs" userId="f53f700a-6709-4045-8975-3edaa594be1c" providerId="ADAL" clId="{A46DFD4E-C018-417E-AEF5-A9F90C250FAF}" dt="2024-03-05T09:18:16.787" v="52" actId="478"/>
-          <ac:spMkLst>
-            <pc:docMk/>
-            <pc:sldMk cId="1584268748" sldId="354"/>
-            <ac:spMk id="20" creationId="{5A7B914C-73B1-43A1-9986-D99CA2D7A5B6}"/>
-          </ac:spMkLst>
-        </pc:spChg>
-        <pc:spChg chg="del">
-          <ac:chgData name="pdcxs" userId="f53f700a-6709-4045-8975-3edaa594be1c" providerId="ADAL" clId="{A46DFD4E-C018-417E-AEF5-A9F90C250FAF}" dt="2024-03-05T09:18:15.912" v="51" actId="478"/>
-          <ac:spMkLst>
-            <pc:docMk/>
-            <pc:sldMk cId="1584268748" sldId="354"/>
-            <ac:spMk id="21" creationId="{9E2A30FA-B0B3-48FE-B5D5-C23E6E982624}"/>
-          </ac:spMkLst>
-        </pc:spChg>
-        <pc:spChg chg="del">
-          <ac:chgData name="pdcxs" userId="f53f700a-6709-4045-8975-3edaa594be1c" providerId="ADAL" clId="{A46DFD4E-C018-417E-AEF5-A9F90C250FAF}" dt="2024-03-05T09:18:17.482" v="53" actId="478"/>
-          <ac:spMkLst>
-            <pc:docMk/>
-            <pc:sldMk cId="1584268748" sldId="354"/>
-            <ac:spMk id="22" creationId="{81703B28-A788-49C6-AAA7-9BC68628AD69}"/>
-          </ac:spMkLst>
-        </pc:spChg>
-        <pc:spChg chg="add del mod">
-          <ac:chgData name="pdcxs" userId="f53f700a-6709-4045-8975-3edaa594be1c" providerId="ADAL" clId="{A46DFD4E-C018-417E-AEF5-A9F90C250FAF}" dt="2024-03-05T09:22:34.056" v="166" actId="478"/>
-          <ac:spMkLst>
-            <pc:docMk/>
-            <pc:sldMk cId="1584268748" sldId="354"/>
-            <ac:spMk id="23" creationId="{D35A47B3-3A3A-14EC-0C65-F924DE82D4BD}"/>
-          </ac:spMkLst>
-        </pc:spChg>
-        <pc:spChg chg="add del mod">
-          <ac:chgData name="pdcxs" userId="f53f700a-6709-4045-8975-3edaa594be1c" providerId="ADAL" clId="{A46DFD4E-C018-417E-AEF5-A9F90C250FAF}" dt="2024-03-05T09:22:40.690" v="168" actId="478"/>
-          <ac:spMkLst>
-            <pc:docMk/>
-            <pc:sldMk cId="1584268748" sldId="354"/>
-            <ac:spMk id="24" creationId="{62F16A7B-4435-8D31-519C-506DA176E11C}"/>
-          </ac:spMkLst>
-        </pc:spChg>
-        <pc:spChg chg="add mod">
-          <ac:chgData name="pdcxs" userId="f53f700a-6709-4045-8975-3edaa594be1c" providerId="ADAL" clId="{A46DFD4E-C018-417E-AEF5-A9F90C250FAF}" dt="2024-03-05T09:22:58.140" v="179" actId="1076"/>
-          <ac:spMkLst>
-            <pc:docMk/>
-            <pc:sldMk cId="1584268748" sldId="354"/>
-            <ac:spMk id="25" creationId="{2212B256-AA54-2825-A194-EF8688AC293B}"/>
-          </ac:spMkLst>
-        </pc:spChg>
-        <pc:spChg chg="add mod">
-          <ac:chgData name="pdcxs" userId="f53f700a-6709-4045-8975-3edaa594be1c" providerId="ADAL" clId="{A46DFD4E-C018-417E-AEF5-A9F90C250FAF}" dt="2024-03-05T09:22:59.348" v="180" actId="1076"/>
-          <ac:spMkLst>
-            <pc:docMk/>
-            <pc:sldMk cId="1584268748" sldId="354"/>
-            <ac:spMk id="26" creationId="{159B7DF1-B102-F13A-6E7B-CCB765CBEFC3}"/>
-          </ac:spMkLst>
-        </pc:spChg>
-        <pc:spChg chg="add mod">
-          <ac:chgData name="pdcxs" userId="f53f700a-6709-4045-8975-3edaa594be1c" providerId="ADAL" clId="{A46DFD4E-C018-417E-AEF5-A9F90C250FAF}" dt="2024-03-05T09:23:00.496" v="181" actId="1076"/>
-          <ac:spMkLst>
-            <pc:docMk/>
-            <pc:sldMk cId="1584268748" sldId="354"/>
-            <ac:spMk id="27" creationId="{3BC10287-C971-144D-E72E-C2522865A657}"/>
-          </ac:spMkLst>
-        </pc:spChg>
-        <pc:spChg chg="add mod">
-          <ac:chgData name="pdcxs" userId="f53f700a-6709-4045-8975-3edaa594be1c" providerId="ADAL" clId="{A46DFD4E-C018-417E-AEF5-A9F90C250FAF}" dt="2024-03-05T09:23:05.580" v="185" actId="1076"/>
-          <ac:spMkLst>
-            <pc:docMk/>
-            <pc:sldMk cId="1584268748" sldId="354"/>
-            <ac:spMk id="28" creationId="{0662650A-E76E-74E8-C467-DBEF9C38EF35}"/>
-          </ac:spMkLst>
-        </pc:spChg>
-        <pc:spChg chg="add mod">
-          <ac:chgData name="pdcxs" userId="f53f700a-6709-4045-8975-3edaa594be1c" providerId="ADAL" clId="{A46DFD4E-C018-417E-AEF5-A9F90C250FAF}" dt="2024-03-05T09:23:15.078" v="191" actId="1076"/>
-          <ac:spMkLst>
-            <pc:docMk/>
-            <pc:sldMk cId="1584268748" sldId="354"/>
-            <ac:spMk id="29" creationId="{D4D0D6E4-8087-2213-FAE4-CAB0BC9486B7}"/>
-          </ac:spMkLst>
-        </pc:spChg>
-        <pc:spChg chg="add mod">
-          <ac:chgData name="pdcxs" userId="f53f700a-6709-4045-8975-3edaa594be1c" providerId="ADAL" clId="{A46DFD4E-C018-417E-AEF5-A9F90C250FAF}" dt="2024-03-05T09:23:13.430" v="190" actId="1076"/>
-          <ac:spMkLst>
-            <pc:docMk/>
-            <pc:sldMk cId="1584268748" sldId="354"/>
-            <ac:spMk id="30" creationId="{E751ED6D-8FD7-7B8B-F178-011FF2F3E431}"/>
-          </ac:spMkLst>
-        </pc:spChg>
-        <pc:spChg chg="add mod">
-          <ac:chgData name="pdcxs" userId="f53f700a-6709-4045-8975-3edaa594be1c" providerId="ADAL" clId="{A46DFD4E-C018-417E-AEF5-A9F90C250FAF}" dt="2024-03-05T09:23:11.878" v="189" actId="1076"/>
-          <ac:spMkLst>
-            <pc:docMk/>
-            <pc:sldMk cId="1584268748" sldId="354"/>
-            <ac:spMk id="31" creationId="{9E84FECE-C246-B848-459E-1220B4BC1F78}"/>
-          </ac:spMkLst>
-        </pc:spChg>
-        <pc:spChg chg="add mod">
-          <ac:chgData name="pdcxs" userId="f53f700a-6709-4045-8975-3edaa594be1c" providerId="ADAL" clId="{A46DFD4E-C018-417E-AEF5-A9F90C250FAF}" dt="2024-03-05T09:23:56.744" v="246" actId="1076"/>
-          <ac:spMkLst>
-            <pc:docMk/>
-            <pc:sldMk cId="1584268748" sldId="354"/>
-            <ac:spMk id="32" creationId="{536DC27D-04E7-5AD4-5168-3464223F94F3}"/>
-          </ac:spMkLst>
-        </pc:spChg>
-        <pc:spChg chg="add mod">
-          <ac:chgData name="pdcxs" userId="f53f700a-6709-4045-8975-3edaa594be1c" providerId="ADAL" clId="{A46DFD4E-C018-417E-AEF5-A9F90C250FAF}" dt="2024-03-05T09:22:49.172" v="172" actId="1076"/>
-          <ac:spMkLst>
-            <pc:docMk/>
-            <pc:sldMk cId="1584268748" sldId="354"/>
-            <ac:spMk id="33" creationId="{19034406-CE51-030A-1483-F8A65754DBDD}"/>
-          </ac:spMkLst>
-        </pc:spChg>
-        <pc:spChg chg="add mod">
-          <ac:chgData name="pdcxs" userId="f53f700a-6709-4045-8975-3edaa594be1c" providerId="ADAL" clId="{A46DFD4E-C018-417E-AEF5-A9F90C250FAF}" dt="2024-03-05T09:22:50.306" v="173" actId="1076"/>
-          <ac:spMkLst>
-            <pc:docMk/>
-            <pc:sldMk cId="1584268748" sldId="354"/>
-            <ac:spMk id="34" creationId="{12F693CE-CBFB-3A04-5615-D2320C15DDE7}"/>
-          </ac:spMkLst>
-        </pc:spChg>
-        <pc:spChg chg="add mod">
-          <ac:chgData name="pdcxs" userId="f53f700a-6709-4045-8975-3edaa594be1c" providerId="ADAL" clId="{A46DFD4E-C018-417E-AEF5-A9F90C250FAF}" dt="2024-03-05T09:22:51.404" v="174" actId="1076"/>
-          <ac:spMkLst>
-            <pc:docMk/>
-            <pc:sldMk cId="1584268748" sldId="354"/>
-            <ac:spMk id="35" creationId="{6FD9F9C0-0639-6158-2B3C-A1AE19945F36}"/>
-          </ac:spMkLst>
-        </pc:spChg>
-        <pc:spChg chg="add mod">
-          <ac:chgData name="pdcxs" userId="f53f700a-6709-4045-8975-3edaa594be1c" providerId="ADAL" clId="{A46DFD4E-C018-417E-AEF5-A9F90C250FAF}" dt="2024-03-05T09:22:55.986" v="178" actId="1076"/>
-          <ac:spMkLst>
-            <pc:docMk/>
-            <pc:sldMk cId="1584268748" sldId="354"/>
-            <ac:spMk id="36" creationId="{89B0BE82-2788-C6CD-CEEC-B77625372DF1}"/>
-          </ac:spMkLst>
-        </pc:spChg>
-        <pc:spChg chg="add mod">
-          <ac:chgData name="pdcxs" userId="f53f700a-6709-4045-8975-3edaa594be1c" providerId="ADAL" clId="{A46DFD4E-C018-417E-AEF5-A9F90C250FAF}" dt="2024-03-05T09:22:54.300" v="177" actId="1076"/>
-          <ac:spMkLst>
-            <pc:docMk/>
-            <pc:sldMk cId="1584268748" sldId="354"/>
-            <ac:spMk id="37" creationId="{21AA20F8-71D1-FC1C-EB14-6808FA0815A6}"/>
-          </ac:spMkLst>
-        </pc:spChg>
-        <pc:spChg chg="add mod">
-          <ac:chgData name="pdcxs" userId="f53f700a-6709-4045-8975-3edaa594be1c" providerId="ADAL" clId="{A46DFD4E-C018-417E-AEF5-A9F90C250FAF}" dt="2024-03-05T09:29:23.989" v="288" actId="20577"/>
-          <ac:spMkLst>
-            <pc:docMk/>
-            <pc:sldMk cId="1584268748" sldId="354"/>
-            <ac:spMk id="38" creationId="{3F67F08F-7B58-222C-7721-852CA0A632C4}"/>
-          </ac:spMkLst>
-        </pc:spChg>
       </pc:sldChg>
     </pc:docChg>
   </pc:docChgLst>
@@ -620,14 +300,6 @@
           <pc:docMk/>
           <pc:sldMk cId="753176371" sldId="306"/>
         </pc:sldMkLst>
-        <pc:spChg chg="mod">
-          <ac:chgData name="pdcxs" userId="f53f700a-6709-4045-8975-3edaa594be1c" providerId="ADAL" clId="{C49D54FF-580A-4DAE-8B89-5346B212D50A}" dt="2023-02-23T07:29:29.931" v="8" actId="20577"/>
-          <ac:spMkLst>
-            <pc:docMk/>
-            <pc:sldMk cId="753176371" sldId="306"/>
-            <ac:spMk id="19" creationId="{00000000-0000-0000-0000-000000000000}"/>
-          </ac:spMkLst>
-        </pc:spChg>
       </pc:sldChg>
     </pc:docChg>
   </pc:docChgLst>
@@ -743,7 +415,7 @@
               <a:pPr>
                 <a:defRPr/>
               </a:pPr>
-              <a:t>2024/3/5</a:t>
+              <a:t>2025/4/14</a:t>
             </a:fld>
             <a:endParaRPr lang="zh-CN" altLang="en-US"/>
           </a:p>
@@ -3139,7 +2811,7 @@
               <a:pPr>
                 <a:defRPr/>
               </a:pPr>
-              <a:t>2024/3/5</a:t>
+              <a:t>2025/4/14</a:t>
             </a:fld>
             <a:endParaRPr lang="zh-CN" altLang="en-US"/>
           </a:p>
@@ -3480,7 +3152,7 @@
               <a:pPr>
                 <a:defRPr/>
               </a:pPr>
-              <a:t>2024/3/5</a:t>
+              <a:t>2025/4/14</a:t>
             </a:fld>
             <a:endParaRPr lang="zh-CN" altLang="en-US"/>
           </a:p>
@@ -3743,7 +3415,7 @@
               <a:pPr>
                 <a:defRPr/>
               </a:pPr>
-              <a:t>2024/3/5</a:t>
+              <a:t>2025/4/14</a:t>
             </a:fld>
             <a:endParaRPr lang="zh-CN" altLang="en-US"/>
           </a:p>
@@ -4006,7 +3678,7 @@
               <a:pPr>
                 <a:defRPr/>
               </a:pPr>
-              <a:t>2024/3/5</a:t>
+              <a:t>2025/4/14</a:t>
             </a:fld>
             <a:endParaRPr lang="zh-CN" altLang="en-US"/>
           </a:p>
@@ -4314,7 +3986,7 @@
           <a:p>
             <a:fld id="{727B9DD9-119C-4B8D-B3AB-3CFC6AE69930}" type="datetimeFigureOut">
               <a:rPr lang="zh-CN" altLang="en-US" smtClean="0"/>
-              <a:t>2024/3/5</a:t>
+              <a:t>2025/4/14</a:t>
             </a:fld>
             <a:endParaRPr lang="zh-CN" altLang="en-US"/>
           </a:p>
@@ -4394,7 +4066,7 @@
         <p:random/>
       </p:transition>
     </mc:Choice>
-    <mc:Fallback xmlns="" xmlns:p15="http://schemas.microsoft.com/office/powerpoint/2012/main">
+    <mc:Fallback xmlns:p15="http://schemas.microsoft.com/office/powerpoint/2012/main" xmlns="">
       <p:transition spd="slow" advClick="0">
         <p:random/>
       </p:transition>
@@ -5676,7 +5348,7 @@
               <a:pPr>
                 <a:defRPr/>
               </a:pPr>
-              <a:t>2024/3/5</a:t>
+              <a:t>2025/4/14</a:t>
             </a:fld>
             <a:endParaRPr lang="zh-CN" altLang="en-US"/>
           </a:p>
@@ -6194,7 +5866,7 @@
               <a:pPr>
                 <a:defRPr/>
               </a:pPr>
-              <a:t>2024/3/5</a:t>
+              <a:t>2025/4/14</a:t>
             </a:fld>
             <a:endParaRPr lang="zh-CN" altLang="en-US"/>
           </a:p>
@@ -6398,7 +6070,7 @@
               <a:pPr>
                 <a:defRPr/>
               </a:pPr>
-              <a:t>2024/3/5</a:t>
+              <a:t>2025/4/14</a:t>
             </a:fld>
             <a:endParaRPr lang="zh-CN" altLang="en-US"/>
           </a:p>
@@ -6572,7 +6244,7 @@
               <a:pPr>
                 <a:defRPr/>
               </a:pPr>
-              <a:t>2024/3/5</a:t>
+              <a:t>2025/4/14</a:t>
             </a:fld>
             <a:endParaRPr lang="zh-CN" altLang="en-US"/>
           </a:p>
@@ -7258,8 +6930,8 @@
         </p:nvSpPr>
         <p:spPr>
           <a:xfrm>
-            <a:off x="4307104" y="3583212"/>
-            <a:ext cx="3793288" cy="288512"/>
+            <a:off x="5312187" y="3583212"/>
+            <a:ext cx="1783122" cy="288512"/>
           </a:xfrm>
           <a:prstGeom prst="rect">
             <a:avLst/>
@@ -7284,7 +6956,7 @@
                 <a:latin typeface="微软雅黑" pitchFamily="34" charset="-122"/>
                 <a:ea typeface="微软雅黑" pitchFamily="34" charset="-122"/>
               </a:rPr>
-              <a:t>学院：计算机科学与技术学院（大数据学院）</a:t>
+              <a:t>学院：人工智能学院</a:t>
             </a:r>
             <a:endParaRPr lang="en-US" altLang="zh-CN" sz="1425" dirty="0">
               <a:solidFill>
@@ -7432,7 +7104,7 @@
         <p:blinds dir="vert"/>
       </p:transition>
     </mc:Choice>
-    <mc:Fallback xmlns="" xmlns:p15="http://schemas.microsoft.com/office/powerpoint/2012/main">
+    <mc:Fallback xmlns:p15="http://schemas.microsoft.com/office/powerpoint/2012/main" xmlns="">
       <p:transition spd="slow" advClick="0">
         <p:blinds dir="vert"/>
       </p:transition>
@@ -10461,7 +10133,7 @@
         <p:blinds dir="vert"/>
       </p:transition>
     </mc:Choice>
-    <mc:Fallback xmlns="" xmlns:p15="http://schemas.microsoft.com/office/powerpoint/2012/main">
+    <mc:Fallback xmlns:p15="http://schemas.microsoft.com/office/powerpoint/2012/main" xmlns="">
       <p:transition spd="slow" advClick="0">
         <p:blinds dir="vert"/>
       </p:transition>
@@ -11220,7 +10892,7 @@
         <p:blinds dir="vert"/>
       </p:transition>
     </mc:Choice>
-    <mc:Fallback xmlns="" xmlns:p15="http://schemas.microsoft.com/office/powerpoint/2012/main">
+    <mc:Fallback xmlns:p15="http://schemas.microsoft.com/office/powerpoint/2012/main" xmlns="">
       <p:transition spd="slow" advClick="0">
         <p:blinds dir="vert"/>
       </p:transition>
@@ -17351,7 +17023,7 @@
         <p:blinds dir="vert"/>
       </p:transition>
     </mc:Choice>
-    <mc:Fallback xmlns="" xmlns:p15="http://schemas.microsoft.com/office/powerpoint/2012/main">
+    <mc:Fallback xmlns:p15="http://schemas.microsoft.com/office/powerpoint/2012/main" xmlns="">
       <p:transition spd="slow" advClick="0">
         <p:blinds dir="vert"/>
       </p:transition>
@@ -18388,7 +18060,7 @@
         <p:blinds dir="vert"/>
       </p:transition>
     </mc:Choice>
-    <mc:Fallback xmlns="" xmlns:p15="http://schemas.microsoft.com/office/powerpoint/2012/main">
+    <mc:Fallback xmlns:p15="http://schemas.microsoft.com/office/powerpoint/2012/main" xmlns="">
       <p:transition spd="slow" advClick="0">
         <p:blinds dir="vert"/>
       </p:transition>
@@ -21249,7 +20921,7 @@
         <p14:prism/>
       </p:transition>
     </mc:Choice>
-    <mc:Fallback xmlns="" xmlns:p15="http://schemas.microsoft.com/office/powerpoint/2012/main">
+    <mc:Fallback xmlns:p15="http://schemas.microsoft.com/office/powerpoint/2012/main" xmlns="">
       <p:transition spd="slow" advClick="0">
         <p:fade/>
       </p:transition>
@@ -22665,7 +22337,7 @@
         <p:blinds dir="vert"/>
       </p:transition>
     </mc:Choice>
-    <mc:Fallback xmlns="" xmlns:p15="http://schemas.microsoft.com/office/powerpoint/2012/main">
+    <mc:Fallback xmlns:p15="http://schemas.microsoft.com/office/powerpoint/2012/main" xmlns="">
       <p:transition spd="slow" advClick="0">
         <p:blinds dir="vert"/>
       </p:transition>
@@ -24121,7 +23793,7 @@
         <p:blinds dir="vert"/>
       </p:transition>
     </mc:Choice>
-    <mc:Fallback xmlns="" xmlns:p15="http://schemas.microsoft.com/office/powerpoint/2012/main">
+    <mc:Fallback xmlns:p15="http://schemas.microsoft.com/office/powerpoint/2012/main" xmlns="">
       <p:transition spd="slow" advClick="0">
         <p:blinds dir="vert"/>
       </p:transition>
@@ -25233,7 +24905,7 @@
         <p:blinds dir="vert"/>
       </p:transition>
     </mc:Choice>
-    <mc:Fallback xmlns="" xmlns:p15="http://schemas.microsoft.com/office/powerpoint/2012/main">
+    <mc:Fallback xmlns:p15="http://schemas.microsoft.com/office/powerpoint/2012/main" xmlns="">
       <p:transition spd="slow" advClick="0">
         <p:blinds dir="vert"/>
       </p:transition>
@@ -26583,7 +26255,7 @@
         <p:blinds dir="vert"/>
       </p:transition>
     </mc:Choice>
-    <mc:Fallback xmlns="" xmlns:p15="http://schemas.microsoft.com/office/powerpoint/2012/main">
+    <mc:Fallback xmlns:p15="http://schemas.microsoft.com/office/powerpoint/2012/main" xmlns="">
       <p:transition spd="slow" advClick="0">
         <p:blinds dir="vert"/>
       </p:transition>
@@ -27493,7 +27165,7 @@
     <mc:Choice Requires="p14">
       <p:transition spd="slow" p14:dur="2000" advClick="0"/>
     </mc:Choice>
-    <mc:Fallback xmlns="" xmlns:p15="http://schemas.microsoft.com/office/powerpoint/2012/main">
+    <mc:Fallback xmlns:p15="http://schemas.microsoft.com/office/powerpoint/2012/main" xmlns="">
       <p:transition spd="slow" advClick="0"/>
     </mc:Fallback>
   </mc:AlternateContent>
@@ -33915,7 +33587,7 @@
         <p:blinds dir="vert"/>
       </p:transition>
     </mc:Choice>
-    <mc:Fallback xmlns="" xmlns:p15="http://schemas.microsoft.com/office/powerpoint/2012/main">
+    <mc:Fallback xmlns:p15="http://schemas.microsoft.com/office/powerpoint/2012/main" xmlns="">
       <p:transition spd="slow" advClick="0">
         <p:blinds dir="vert"/>
       </p:transition>
@@ -35186,7 +34858,7 @@
         <p:blinds dir="vert"/>
       </p:transition>
     </mc:Choice>
-    <mc:Fallback xmlns="" xmlns:p15="http://schemas.microsoft.com/office/powerpoint/2012/main">
+    <mc:Fallback xmlns:p15="http://schemas.microsoft.com/office/powerpoint/2012/main" xmlns="">
       <p:transition spd="slow" advClick="0">
         <p:blinds dir="vert"/>
       </p:transition>

--- a/slides/04-数组-字符串与正则表达式.pptx
+++ b/slides/04-数组-字符串与正则表达式.pptx
@@ -237,6 +237,105 @@
     </pc:docChg>
   </pc:docChgLst>
   <pc:docChgLst>
+    <pc:chgData name="pdcxs" userId="f53f700a-6709-4045-8975-3edaa594be1c" providerId="ADAL" clId="{97B727F3-00E0-43B5-A776-99F6A62CD381}"/>
+    <pc:docChg chg="modSld">
+      <pc:chgData name="pdcxs" userId="f53f700a-6709-4045-8975-3edaa594be1c" providerId="ADAL" clId="{97B727F3-00E0-43B5-A776-99F6A62CD381}" dt="2025-04-28T04:53:31.292" v="8" actId="20577"/>
+      <pc:docMkLst>
+        <pc:docMk/>
+      </pc:docMkLst>
+      <pc:sldChg chg="modSp mod">
+        <pc:chgData name="pdcxs" userId="f53f700a-6709-4045-8975-3edaa594be1c" providerId="ADAL" clId="{97B727F3-00E0-43B5-A776-99F6A62CD381}" dt="2025-04-28T04:53:16.860" v="2" actId="20577"/>
+        <pc:sldMkLst>
+          <pc:docMk/>
+          <pc:sldMk cId="1143922300" sldId="319"/>
+        </pc:sldMkLst>
+        <pc:spChg chg="mod">
+          <ac:chgData name="pdcxs" userId="f53f700a-6709-4045-8975-3edaa594be1c" providerId="ADAL" clId="{97B727F3-00E0-43B5-A776-99F6A62CD381}" dt="2025-04-28T04:53:16.860" v="2" actId="20577"/>
+          <ac:spMkLst>
+            <pc:docMk/>
+            <pc:sldMk cId="1143922300" sldId="319"/>
+            <ac:spMk id="12" creationId="{FBAB8972-87CC-4170-AA59-C469F5151BAD}"/>
+          </ac:spMkLst>
+        </pc:spChg>
+      </pc:sldChg>
+      <pc:sldChg chg="modSp mod">
+        <pc:chgData name="pdcxs" userId="f53f700a-6709-4045-8975-3edaa594be1c" providerId="ADAL" clId="{97B727F3-00E0-43B5-A776-99F6A62CD381}" dt="2025-04-28T04:53:27.218" v="6" actId="20577"/>
+        <pc:sldMkLst>
+          <pc:docMk/>
+          <pc:sldMk cId="1026641130" sldId="320"/>
+        </pc:sldMkLst>
+        <pc:spChg chg="mod">
+          <ac:chgData name="pdcxs" userId="f53f700a-6709-4045-8975-3edaa594be1c" providerId="ADAL" clId="{97B727F3-00E0-43B5-A776-99F6A62CD381}" dt="2025-04-28T04:53:27.218" v="6" actId="20577"/>
+          <ac:spMkLst>
+            <pc:docMk/>
+            <pc:sldMk cId="1026641130" sldId="320"/>
+            <ac:spMk id="12" creationId="{FBAB8972-87CC-4170-AA59-C469F5151BAD}"/>
+          </ac:spMkLst>
+        </pc:spChg>
+      </pc:sldChg>
+      <pc:sldChg chg="modSp mod">
+        <pc:chgData name="pdcxs" userId="f53f700a-6709-4045-8975-3edaa594be1c" providerId="ADAL" clId="{97B727F3-00E0-43B5-A776-99F6A62CD381}" dt="2025-04-28T04:53:31.292" v="8" actId="20577"/>
+        <pc:sldMkLst>
+          <pc:docMk/>
+          <pc:sldMk cId="4067193513" sldId="321"/>
+        </pc:sldMkLst>
+        <pc:spChg chg="mod">
+          <ac:chgData name="pdcxs" userId="f53f700a-6709-4045-8975-3edaa594be1c" providerId="ADAL" clId="{97B727F3-00E0-43B5-A776-99F6A62CD381}" dt="2025-04-28T04:53:31.292" v="8" actId="20577"/>
+          <ac:spMkLst>
+            <pc:docMk/>
+            <pc:sldMk cId="4067193513" sldId="321"/>
+            <ac:spMk id="12" creationId="{FBAB8972-87CC-4170-AA59-C469F5151BAD}"/>
+          </ac:spMkLst>
+        </pc:spChg>
+      </pc:sldChg>
+      <pc:sldChg chg="modSp mod">
+        <pc:chgData name="pdcxs" userId="f53f700a-6709-4045-8975-3edaa594be1c" providerId="ADAL" clId="{97B727F3-00E0-43B5-A776-99F6A62CD381}" dt="2025-04-28T04:53:09.239" v="0" actId="20577"/>
+        <pc:sldMkLst>
+          <pc:docMk/>
+          <pc:sldMk cId="1906060267" sldId="344"/>
+        </pc:sldMkLst>
+        <pc:spChg chg="mod">
+          <ac:chgData name="pdcxs" userId="f53f700a-6709-4045-8975-3edaa594be1c" providerId="ADAL" clId="{97B727F3-00E0-43B5-A776-99F6A62CD381}" dt="2025-04-28T04:53:09.239" v="0" actId="20577"/>
+          <ac:spMkLst>
+            <pc:docMk/>
+            <pc:sldMk cId="1906060267" sldId="344"/>
+            <ac:spMk id="16" creationId="{164CD1C9-0A5A-4BC1-8CE6-6B3FAC3C3C07}"/>
+          </ac:spMkLst>
+        </pc:spChg>
+      </pc:sldChg>
+      <pc:sldChg chg="modSp mod">
+        <pc:chgData name="pdcxs" userId="f53f700a-6709-4045-8975-3edaa594be1c" providerId="ADAL" clId="{97B727F3-00E0-43B5-A776-99F6A62CD381}" dt="2025-04-28T04:53:20.605" v="3" actId="20577"/>
+        <pc:sldMkLst>
+          <pc:docMk/>
+          <pc:sldMk cId="63072135" sldId="349"/>
+        </pc:sldMkLst>
+        <pc:spChg chg="mod">
+          <ac:chgData name="pdcxs" userId="f53f700a-6709-4045-8975-3edaa594be1c" providerId="ADAL" clId="{97B727F3-00E0-43B5-A776-99F6A62CD381}" dt="2025-04-28T04:53:20.605" v="3" actId="20577"/>
+          <ac:spMkLst>
+            <pc:docMk/>
+            <pc:sldMk cId="63072135" sldId="349"/>
+            <ac:spMk id="12" creationId="{FBAB8972-87CC-4170-AA59-C469F5151BAD}"/>
+          </ac:spMkLst>
+        </pc:spChg>
+      </pc:sldChg>
+      <pc:sldChg chg="modSp mod">
+        <pc:chgData name="pdcxs" userId="f53f700a-6709-4045-8975-3edaa594be1c" providerId="ADAL" clId="{97B727F3-00E0-43B5-A776-99F6A62CD381}" dt="2025-04-28T04:53:23.654" v="5" actId="20577"/>
+        <pc:sldMkLst>
+          <pc:docMk/>
+          <pc:sldMk cId="1366949915" sldId="350"/>
+        </pc:sldMkLst>
+        <pc:spChg chg="mod">
+          <ac:chgData name="pdcxs" userId="f53f700a-6709-4045-8975-3edaa594be1c" providerId="ADAL" clId="{97B727F3-00E0-43B5-A776-99F6A62CD381}" dt="2025-04-28T04:53:23.654" v="5" actId="20577"/>
+          <ac:spMkLst>
+            <pc:docMk/>
+            <pc:sldMk cId="1366949915" sldId="350"/>
+            <ac:spMk id="12" creationId="{FBAB8972-87CC-4170-AA59-C469F5151BAD}"/>
+          </ac:spMkLst>
+        </pc:spChg>
+      </pc:sldChg>
+    </pc:docChg>
+  </pc:docChgLst>
+  <pc:docChgLst>
     <pc:chgData name="pdcxs" userId="f53f700a-6709-4045-8975-3edaa594be1c" providerId="ADAL" clId="{A46DFD4E-C018-417E-AEF5-A9F90C250FAF}"/>
     <pc:docChg chg="undo custSel addSld delSld modSld">
       <pc:chgData name="pdcxs" userId="f53f700a-6709-4045-8975-3edaa594be1c" providerId="ADAL" clId="{A46DFD4E-C018-417E-AEF5-A9F90C250FAF}" dt="2024-03-05T10:13:43.985" v="453" actId="20577"/>
@@ -415,7 +514,7 @@
               <a:pPr>
                 <a:defRPr/>
               </a:pPr>
-              <a:t>2025/4/14</a:t>
+              <a:t>2025/4/28</a:t>
             </a:fld>
             <a:endParaRPr lang="zh-CN" altLang="en-US"/>
           </a:p>
@@ -2811,7 +2910,7 @@
               <a:pPr>
                 <a:defRPr/>
               </a:pPr>
-              <a:t>2025/4/14</a:t>
+              <a:t>2025/4/28</a:t>
             </a:fld>
             <a:endParaRPr lang="zh-CN" altLang="en-US"/>
           </a:p>
@@ -3152,7 +3251,7 @@
               <a:pPr>
                 <a:defRPr/>
               </a:pPr>
-              <a:t>2025/4/14</a:t>
+              <a:t>2025/4/28</a:t>
             </a:fld>
             <a:endParaRPr lang="zh-CN" altLang="en-US"/>
           </a:p>
@@ -3415,7 +3514,7 @@
               <a:pPr>
                 <a:defRPr/>
               </a:pPr>
-              <a:t>2025/4/14</a:t>
+              <a:t>2025/4/28</a:t>
             </a:fld>
             <a:endParaRPr lang="zh-CN" altLang="en-US"/>
           </a:p>
@@ -3678,7 +3777,7 @@
               <a:pPr>
                 <a:defRPr/>
               </a:pPr>
-              <a:t>2025/4/14</a:t>
+              <a:t>2025/4/28</a:t>
             </a:fld>
             <a:endParaRPr lang="zh-CN" altLang="en-US"/>
           </a:p>
@@ -3986,7 +4085,7 @@
           <a:p>
             <a:fld id="{727B9DD9-119C-4B8D-B3AB-3CFC6AE69930}" type="datetimeFigureOut">
               <a:rPr lang="zh-CN" altLang="en-US" smtClean="0"/>
-              <a:t>2025/4/14</a:t>
+              <a:t>2025/4/28</a:t>
             </a:fld>
             <a:endParaRPr lang="zh-CN" altLang="en-US"/>
           </a:p>
@@ -4066,7 +4165,7 @@
         <p:random/>
       </p:transition>
     </mc:Choice>
-    <mc:Fallback xmlns:p15="http://schemas.microsoft.com/office/powerpoint/2012/main" xmlns="">
+    <mc:Fallback xmlns="" xmlns:p15="http://schemas.microsoft.com/office/powerpoint/2012/main">
       <p:transition spd="slow" advClick="0">
         <p:random/>
       </p:transition>
@@ -5348,7 +5447,7 @@
               <a:pPr>
                 <a:defRPr/>
               </a:pPr>
-              <a:t>2025/4/14</a:t>
+              <a:t>2025/4/28</a:t>
             </a:fld>
             <a:endParaRPr lang="zh-CN" altLang="en-US"/>
           </a:p>
@@ -5866,7 +5965,7 @@
               <a:pPr>
                 <a:defRPr/>
               </a:pPr>
-              <a:t>2025/4/14</a:t>
+              <a:t>2025/4/28</a:t>
             </a:fld>
             <a:endParaRPr lang="zh-CN" altLang="en-US"/>
           </a:p>
@@ -6070,7 +6169,7 @@
               <a:pPr>
                 <a:defRPr/>
               </a:pPr>
-              <a:t>2025/4/14</a:t>
+              <a:t>2025/4/28</a:t>
             </a:fld>
             <a:endParaRPr lang="zh-CN" altLang="en-US"/>
           </a:p>
@@ -6244,7 +6343,7 @@
               <a:pPr>
                 <a:defRPr/>
               </a:pPr>
-              <a:t>2025/4/14</a:t>
+              <a:t>2025/4/28</a:t>
             </a:fld>
             <a:endParaRPr lang="zh-CN" altLang="en-US"/>
           </a:p>
@@ -7104,7 +7203,7 @@
         <p:blinds dir="vert"/>
       </p:transition>
     </mc:Choice>
-    <mc:Fallback xmlns:p15="http://schemas.microsoft.com/office/powerpoint/2012/main" xmlns="">
+    <mc:Fallback xmlns="" xmlns:p15="http://schemas.microsoft.com/office/powerpoint/2012/main">
       <p:transition spd="slow" advClick="0">
         <p:blinds dir="vert"/>
       </p:transition>
@@ -10133,7 +10232,7 @@
         <p:blinds dir="vert"/>
       </p:transition>
     </mc:Choice>
-    <mc:Fallback xmlns:p15="http://schemas.microsoft.com/office/powerpoint/2012/main" xmlns="">
+    <mc:Fallback xmlns="" xmlns:p15="http://schemas.microsoft.com/office/powerpoint/2012/main">
       <p:transition spd="slow" advClick="0">
         <p:blinds dir="vert"/>
       </p:transition>
@@ -10892,7 +10991,7 @@
         <p:blinds dir="vert"/>
       </p:transition>
     </mc:Choice>
-    <mc:Fallback xmlns:p15="http://schemas.microsoft.com/office/powerpoint/2012/main" xmlns="">
+    <mc:Fallback xmlns="" xmlns:p15="http://schemas.microsoft.com/office/powerpoint/2012/main">
       <p:transition spd="slow" advClick="0">
         <p:blinds dir="vert"/>
       </p:transition>
@@ -12243,7 +12342,7 @@
         <p:spPr>
           <a:xfrm>
             <a:off x="118380" y="583285"/>
-            <a:ext cx="8928991" cy="2492990"/>
+            <a:ext cx="8928991" cy="2123658"/>
           </a:xfrm>
           <a:prstGeom prst="rect">
             <a:avLst/>
@@ -12452,56 +12551,6 @@
               <a:t>)</a:t>
             </a:r>
             <a:endParaRPr lang="zh-CN" altLang="en-US" sz="2800" dirty="0">
-              <a:solidFill>
-                <a:srgbClr val="FF0000"/>
-              </a:solidFill>
-              <a:latin typeface="微软雅黑" panose="020B0503020204020204" pitchFamily="34" charset="-122"/>
-              <a:ea typeface="微软雅黑" panose="020B0503020204020204" pitchFamily="34" charset="-122"/>
-            </a:endParaRPr>
-          </a:p>
-          <a:p>
-            <a:pPr marL="838200" lvl="1" indent="-381000" eaLnBrk="1" hangingPunct="1">
-              <a:buFont typeface="微软雅黑" panose="020B0503020204020204" pitchFamily="34" charset="-122"/>
-              <a:buChar char="–"/>
-            </a:pPr>
-            <a:r>
-              <a:rPr lang="zh-CN" altLang="en-US" sz="2400" dirty="0">
-                <a:latin typeface="微软雅黑" panose="020B0503020204020204" pitchFamily="34" charset="-122"/>
-                <a:ea typeface="微软雅黑" panose="020B0503020204020204" pitchFamily="34" charset="-122"/>
-              </a:rPr>
-              <a:t>见课本</a:t>
-            </a:r>
-            <a:r>
-              <a:rPr lang="en-US" altLang="zh-CN" sz="2400" dirty="0">
-                <a:solidFill>
-                  <a:srgbClr val="FF0000"/>
-                </a:solidFill>
-                <a:latin typeface="微软雅黑" panose="020B0503020204020204" pitchFamily="34" charset="-122"/>
-                <a:ea typeface="微软雅黑" panose="020B0503020204020204" pitchFamily="34" charset="-122"/>
-              </a:rPr>
-              <a:t>P76</a:t>
-            </a:r>
-            <a:r>
-              <a:rPr lang="zh-CN" altLang="en-US" sz="2400" dirty="0">
-                <a:solidFill>
-                  <a:srgbClr val="FF0000"/>
-                </a:solidFill>
-                <a:latin typeface="微软雅黑" panose="020B0503020204020204" pitchFamily="34" charset="-122"/>
-                <a:ea typeface="微软雅黑" panose="020B0503020204020204" pitchFamily="34" charset="-122"/>
-              </a:rPr>
-              <a:t>，表</a:t>
-            </a:r>
-            <a:r>
-              <a:rPr lang="en-US" altLang="zh-CN" sz="2400" dirty="0">
-                <a:solidFill>
-                  <a:srgbClr val="FF0000"/>
-                </a:solidFill>
-                <a:latin typeface="微软雅黑" panose="020B0503020204020204" pitchFamily="34" charset="-122"/>
-                <a:ea typeface="微软雅黑" panose="020B0503020204020204" pitchFamily="34" charset="-122"/>
-              </a:rPr>
-              <a:t>5.2</a:t>
-            </a:r>
-            <a:endParaRPr lang="zh-CN" altLang="en-US" sz="2400" dirty="0">
               <a:solidFill>
                 <a:srgbClr val="FF0000"/>
               </a:solidFill>
@@ -16017,9 +16066,9 @@
         <p:grpSpPr>
           <a:xfrm>
             <a:off x="264586" y="255969"/>
-            <a:ext cx="5987690" cy="415370"/>
+            <a:ext cx="4089734" cy="415370"/>
             <a:chOff x="264586" y="255969"/>
-            <a:chExt cx="5987690" cy="415370"/>
+            <a:chExt cx="4089734" cy="415370"/>
           </a:xfrm>
         </p:grpSpPr>
         <p:grpSp>
@@ -16231,7 +16280,7 @@
           <p:spPr bwMode="auto">
             <a:xfrm>
               <a:off x="668696" y="255969"/>
-              <a:ext cx="5583580" cy="415370"/>
+              <a:ext cx="3685624" cy="415370"/>
             </a:xfrm>
             <a:prstGeom prst="rect">
               <a:avLst/>
@@ -16255,47 +16304,7 @@
                   <a:latin typeface="微软雅黑 Light" panose="020B0502040204020203" pitchFamily="34" charset="-122"/>
                   <a:ea typeface="微软雅黑 Light" panose="020B0502040204020203" pitchFamily="34" charset="-122"/>
                 </a:rPr>
-                <a:t>正则表达式所支持的合法字符（</a:t>
-              </a:r>
-              <a:r>
-                <a:rPr lang="en-US" altLang="zh-CN" sz="2099" dirty="0">
-                  <a:solidFill>
-                    <a:srgbClr val="253C8E"/>
-                  </a:solidFill>
-                  <a:latin typeface="微软雅黑 Light" panose="020B0502040204020203" pitchFamily="34" charset="-122"/>
-                  <a:ea typeface="微软雅黑 Light" panose="020B0502040204020203" pitchFamily="34" charset="-122"/>
-                </a:rPr>
-                <a:t>P79</a:t>
-              </a:r>
-              <a:r>
-                <a:rPr lang="zh-CN" altLang="en-US" sz="2099" dirty="0">
-                  <a:solidFill>
-                    <a:srgbClr val="253C8E"/>
-                  </a:solidFill>
-                  <a:latin typeface="微软雅黑 Light" panose="020B0502040204020203" pitchFamily="34" charset="-122"/>
-                  <a:ea typeface="微软雅黑 Light" panose="020B0502040204020203" pitchFamily="34" charset="-122"/>
-                </a:rPr>
-                <a:t>，表</a:t>
-              </a:r>
-              <a:r>
-                <a:rPr lang="en-US" altLang="zh-CN" sz="2099" dirty="0">
-                  <a:solidFill>
-                    <a:srgbClr val="253C8E"/>
-                  </a:solidFill>
-                  <a:latin typeface="微软雅黑 Light" panose="020B0502040204020203" pitchFamily="34" charset="-122"/>
-                  <a:ea typeface="微软雅黑 Light" panose="020B0502040204020203" pitchFamily="34" charset="-122"/>
-                </a:rPr>
-                <a:t>5.4</a:t>
-              </a:r>
-              <a:r>
-                <a:rPr lang="zh-CN" altLang="en-US" sz="2099" dirty="0">
-                  <a:solidFill>
-                    <a:srgbClr val="253C8E"/>
-                  </a:solidFill>
-                  <a:latin typeface="微软雅黑 Light" panose="020B0502040204020203" pitchFamily="34" charset="-122"/>
-                  <a:ea typeface="微软雅黑 Light" panose="020B0502040204020203" pitchFamily="34" charset="-122"/>
-                </a:rPr>
-                <a:t>）</a:t>
+                <a:t>正则表达式所支持的合法字符</a:t>
               </a:r>
             </a:p>
           </p:txBody>
@@ -17023,7 +17032,7 @@
         <p:blinds dir="vert"/>
       </p:transition>
     </mc:Choice>
-    <mc:Fallback xmlns:p15="http://schemas.microsoft.com/office/powerpoint/2012/main" xmlns="">
+    <mc:Fallback xmlns="" xmlns:p15="http://schemas.microsoft.com/office/powerpoint/2012/main">
       <p:transition spd="slow" advClick="0">
         <p:blinds dir="vert"/>
       </p:transition>
@@ -17110,9 +17119,9 @@
         <p:grpSpPr>
           <a:xfrm>
             <a:off x="264586" y="255969"/>
-            <a:ext cx="5987690" cy="415370"/>
+            <a:ext cx="4089734" cy="415370"/>
             <a:chOff x="264586" y="255969"/>
-            <a:chExt cx="5987690" cy="415370"/>
+            <a:chExt cx="4089734" cy="415370"/>
           </a:xfrm>
         </p:grpSpPr>
         <p:grpSp>
@@ -17324,7 +17333,7 @@
           <p:spPr bwMode="auto">
             <a:xfrm>
               <a:off x="668696" y="255969"/>
-              <a:ext cx="5583580" cy="415370"/>
+              <a:ext cx="3685624" cy="415370"/>
             </a:xfrm>
             <a:prstGeom prst="rect">
               <a:avLst/>
@@ -17348,47 +17357,7 @@
                   <a:latin typeface="微软雅黑 Light" panose="020B0502040204020203" pitchFamily="34" charset="-122"/>
                   <a:ea typeface="微软雅黑 Light" panose="020B0502040204020203" pitchFamily="34" charset="-122"/>
                 </a:rPr>
-                <a:t>正则表达式所支持的合法字符（</a:t>
-              </a:r>
-              <a:r>
-                <a:rPr lang="en-US" altLang="zh-CN" sz="2099" dirty="0">
-                  <a:solidFill>
-                    <a:srgbClr val="253C8E"/>
-                  </a:solidFill>
-                  <a:latin typeface="微软雅黑 Light" panose="020B0502040204020203" pitchFamily="34" charset="-122"/>
-                  <a:ea typeface="微软雅黑 Light" panose="020B0502040204020203" pitchFamily="34" charset="-122"/>
-                </a:rPr>
-                <a:t>P79</a:t>
-              </a:r>
-              <a:r>
-                <a:rPr lang="zh-CN" altLang="en-US" sz="2099" dirty="0">
-                  <a:solidFill>
-                    <a:srgbClr val="253C8E"/>
-                  </a:solidFill>
-                  <a:latin typeface="微软雅黑 Light" panose="020B0502040204020203" pitchFamily="34" charset="-122"/>
-                  <a:ea typeface="微软雅黑 Light" panose="020B0502040204020203" pitchFamily="34" charset="-122"/>
-                </a:rPr>
-                <a:t>，表</a:t>
-              </a:r>
-              <a:r>
-                <a:rPr lang="en-US" altLang="zh-CN" sz="2099" dirty="0">
-                  <a:solidFill>
-                    <a:srgbClr val="253C8E"/>
-                  </a:solidFill>
-                  <a:latin typeface="微软雅黑 Light" panose="020B0502040204020203" pitchFamily="34" charset="-122"/>
-                  <a:ea typeface="微软雅黑 Light" panose="020B0502040204020203" pitchFamily="34" charset="-122"/>
-                </a:rPr>
-                <a:t>5.4</a:t>
-              </a:r>
-              <a:r>
-                <a:rPr lang="zh-CN" altLang="en-US" sz="2099" dirty="0">
-                  <a:solidFill>
-                    <a:srgbClr val="253C8E"/>
-                  </a:solidFill>
-                  <a:latin typeface="微软雅黑 Light" panose="020B0502040204020203" pitchFamily="34" charset="-122"/>
-                  <a:ea typeface="微软雅黑 Light" panose="020B0502040204020203" pitchFamily="34" charset="-122"/>
-                </a:rPr>
-                <a:t>）</a:t>
+                <a:t>正则表达式所支持的合法字符</a:t>
               </a:r>
             </a:p>
           </p:txBody>
@@ -18060,7 +18029,7 @@
         <p:blinds dir="vert"/>
       </p:transition>
     </mc:Choice>
-    <mc:Fallback xmlns:p15="http://schemas.microsoft.com/office/powerpoint/2012/main" xmlns="">
+    <mc:Fallback xmlns="" xmlns:p15="http://schemas.microsoft.com/office/powerpoint/2012/main">
       <p:transition spd="slow" advClick="0">
         <p:blinds dir="vert"/>
       </p:transition>
@@ -20921,7 +20890,7 @@
         <p14:prism/>
       </p:transition>
     </mc:Choice>
-    <mc:Fallback xmlns:p15="http://schemas.microsoft.com/office/powerpoint/2012/main" xmlns="">
+    <mc:Fallback xmlns="" xmlns:p15="http://schemas.microsoft.com/office/powerpoint/2012/main">
       <p:transition spd="slow" advClick="0">
         <p:fade/>
       </p:transition>
@@ -21267,9 +21236,9 @@
         <p:grpSpPr>
           <a:xfrm>
             <a:off x="264586" y="255969"/>
-            <a:ext cx="5987690" cy="415370"/>
+            <a:ext cx="4089734" cy="415370"/>
             <a:chOff x="264586" y="255969"/>
-            <a:chExt cx="5987690" cy="415370"/>
+            <a:chExt cx="4089734" cy="415370"/>
           </a:xfrm>
         </p:grpSpPr>
         <p:grpSp>
@@ -21481,7 +21450,7 @@
           <p:spPr bwMode="auto">
             <a:xfrm>
               <a:off x="668696" y="255969"/>
-              <a:ext cx="5583580" cy="415370"/>
+              <a:ext cx="3685624" cy="415370"/>
             </a:xfrm>
             <a:prstGeom prst="rect">
               <a:avLst/>
@@ -21505,47 +21474,7 @@
                   <a:latin typeface="微软雅黑 Light" panose="020B0502040204020203" pitchFamily="34" charset="-122"/>
                   <a:ea typeface="微软雅黑 Light" panose="020B0502040204020203" pitchFamily="34" charset="-122"/>
                 </a:rPr>
-                <a:t>正则表达式所支持的合法字符（</a:t>
-              </a:r>
-              <a:r>
-                <a:rPr lang="en-US" altLang="zh-CN" sz="2099" dirty="0">
-                  <a:solidFill>
-                    <a:srgbClr val="253C8E"/>
-                  </a:solidFill>
-                  <a:latin typeface="微软雅黑 Light" panose="020B0502040204020203" pitchFamily="34" charset="-122"/>
-                  <a:ea typeface="微软雅黑 Light" panose="020B0502040204020203" pitchFamily="34" charset="-122"/>
-                </a:rPr>
-                <a:t>P79</a:t>
-              </a:r>
-              <a:r>
-                <a:rPr lang="zh-CN" altLang="en-US" sz="2099" dirty="0">
-                  <a:solidFill>
-                    <a:srgbClr val="253C8E"/>
-                  </a:solidFill>
-                  <a:latin typeface="微软雅黑 Light" panose="020B0502040204020203" pitchFamily="34" charset="-122"/>
-                  <a:ea typeface="微软雅黑 Light" panose="020B0502040204020203" pitchFamily="34" charset="-122"/>
-                </a:rPr>
-                <a:t>，表</a:t>
-              </a:r>
-              <a:r>
-                <a:rPr lang="en-US" altLang="zh-CN" sz="2099" dirty="0">
-                  <a:solidFill>
-                    <a:srgbClr val="253C8E"/>
-                  </a:solidFill>
-                  <a:latin typeface="微软雅黑 Light" panose="020B0502040204020203" pitchFamily="34" charset="-122"/>
-                  <a:ea typeface="微软雅黑 Light" panose="020B0502040204020203" pitchFamily="34" charset="-122"/>
-                </a:rPr>
-                <a:t>5.4</a:t>
-              </a:r>
-              <a:r>
-                <a:rPr lang="zh-CN" altLang="en-US" sz="2099" dirty="0">
-                  <a:solidFill>
-                    <a:srgbClr val="253C8E"/>
-                  </a:solidFill>
-                  <a:latin typeface="微软雅黑 Light" panose="020B0502040204020203" pitchFamily="34" charset="-122"/>
-                  <a:ea typeface="微软雅黑 Light" panose="020B0502040204020203" pitchFamily="34" charset="-122"/>
-                </a:rPr>
-                <a:t>）</a:t>
+                <a:t>正则表达式所支持的合法字符</a:t>
               </a:r>
             </a:p>
           </p:txBody>
@@ -22337,7 +22266,7 @@
         <p:blinds dir="vert"/>
       </p:transition>
     </mc:Choice>
-    <mc:Fallback xmlns:p15="http://schemas.microsoft.com/office/powerpoint/2012/main" xmlns="">
+    <mc:Fallback xmlns="" xmlns:p15="http://schemas.microsoft.com/office/powerpoint/2012/main">
       <p:transition spd="slow" advClick="0">
         <p:blinds dir="vert"/>
       </p:transition>
@@ -22424,9 +22353,9 @@
         <p:grpSpPr>
           <a:xfrm>
             <a:off x="264586" y="255969"/>
-            <a:ext cx="5987690" cy="415370"/>
+            <a:ext cx="4089734" cy="415370"/>
             <a:chOff x="264586" y="255969"/>
-            <a:chExt cx="5987690" cy="415370"/>
+            <a:chExt cx="4089734" cy="415370"/>
           </a:xfrm>
         </p:grpSpPr>
         <p:grpSp>
@@ -22638,7 +22567,7 @@
           <p:spPr bwMode="auto">
             <a:xfrm>
               <a:off x="668696" y="255969"/>
-              <a:ext cx="5583580" cy="415370"/>
+              <a:ext cx="3685624" cy="415370"/>
             </a:xfrm>
             <a:prstGeom prst="rect">
               <a:avLst/>
@@ -22662,47 +22591,7 @@
                   <a:latin typeface="微软雅黑 Light" panose="020B0502040204020203" pitchFamily="34" charset="-122"/>
                   <a:ea typeface="微软雅黑 Light" panose="020B0502040204020203" pitchFamily="34" charset="-122"/>
                 </a:rPr>
-                <a:t>正则表达式所支持的合法字符（</a:t>
-              </a:r>
-              <a:r>
-                <a:rPr lang="en-US" altLang="zh-CN" sz="2099" dirty="0">
-                  <a:solidFill>
-                    <a:srgbClr val="253C8E"/>
-                  </a:solidFill>
-                  <a:latin typeface="微软雅黑 Light" panose="020B0502040204020203" pitchFamily="34" charset="-122"/>
-                  <a:ea typeface="微软雅黑 Light" panose="020B0502040204020203" pitchFamily="34" charset="-122"/>
-                </a:rPr>
-                <a:t>P79</a:t>
-              </a:r>
-              <a:r>
-                <a:rPr lang="zh-CN" altLang="en-US" sz="2099" dirty="0">
-                  <a:solidFill>
-                    <a:srgbClr val="253C8E"/>
-                  </a:solidFill>
-                  <a:latin typeface="微软雅黑 Light" panose="020B0502040204020203" pitchFamily="34" charset="-122"/>
-                  <a:ea typeface="微软雅黑 Light" panose="020B0502040204020203" pitchFamily="34" charset="-122"/>
-                </a:rPr>
-                <a:t>，表</a:t>
-              </a:r>
-              <a:r>
-                <a:rPr lang="en-US" altLang="zh-CN" sz="2099" dirty="0">
-                  <a:solidFill>
-                    <a:srgbClr val="253C8E"/>
-                  </a:solidFill>
-                  <a:latin typeface="微软雅黑 Light" panose="020B0502040204020203" pitchFamily="34" charset="-122"/>
-                  <a:ea typeface="微软雅黑 Light" panose="020B0502040204020203" pitchFamily="34" charset="-122"/>
-                </a:rPr>
-                <a:t>5.5</a:t>
-              </a:r>
-              <a:r>
-                <a:rPr lang="zh-CN" altLang="en-US" sz="2099" dirty="0">
-                  <a:solidFill>
-                    <a:srgbClr val="253C8E"/>
-                  </a:solidFill>
-                  <a:latin typeface="微软雅黑 Light" panose="020B0502040204020203" pitchFamily="34" charset="-122"/>
-                  <a:ea typeface="微软雅黑 Light" panose="020B0502040204020203" pitchFamily="34" charset="-122"/>
-                </a:rPr>
-                <a:t>）</a:t>
+                <a:t>正则表达式所支持的合法字符</a:t>
               </a:r>
             </a:p>
           </p:txBody>
@@ -23793,7 +23682,7 @@
         <p:blinds dir="vert"/>
       </p:transition>
     </mc:Choice>
-    <mc:Fallback xmlns:p15="http://schemas.microsoft.com/office/powerpoint/2012/main" xmlns="">
+    <mc:Fallback xmlns="" xmlns:p15="http://schemas.microsoft.com/office/powerpoint/2012/main">
       <p:transition spd="slow" advClick="0">
         <p:blinds dir="vert"/>
       </p:transition>
@@ -23880,9 +23769,9 @@
         <p:grpSpPr>
           <a:xfrm>
             <a:off x="264586" y="255969"/>
-            <a:ext cx="5987690" cy="415370"/>
+            <a:ext cx="4089734" cy="415370"/>
             <a:chOff x="264586" y="255969"/>
-            <a:chExt cx="5987690" cy="415370"/>
+            <a:chExt cx="4089734" cy="415370"/>
           </a:xfrm>
         </p:grpSpPr>
         <p:grpSp>
@@ -24094,7 +23983,7 @@
           <p:spPr bwMode="auto">
             <a:xfrm>
               <a:off x="668696" y="255969"/>
-              <a:ext cx="5583580" cy="415370"/>
+              <a:ext cx="3685624" cy="415370"/>
             </a:xfrm>
             <a:prstGeom prst="rect">
               <a:avLst/>
@@ -24118,47 +24007,7 @@
                   <a:latin typeface="微软雅黑 Light" panose="020B0502040204020203" pitchFamily="34" charset="-122"/>
                   <a:ea typeface="微软雅黑 Light" panose="020B0502040204020203" pitchFamily="34" charset="-122"/>
                 </a:rPr>
-                <a:t>正则表达式所支持的合法字符（</a:t>
-              </a:r>
-              <a:r>
-                <a:rPr lang="en-US" altLang="zh-CN" sz="2099" dirty="0">
-                  <a:solidFill>
-                    <a:srgbClr val="253C8E"/>
-                  </a:solidFill>
-                  <a:latin typeface="微软雅黑 Light" panose="020B0502040204020203" pitchFamily="34" charset="-122"/>
-                  <a:ea typeface="微软雅黑 Light" panose="020B0502040204020203" pitchFamily="34" charset="-122"/>
-                </a:rPr>
-                <a:t>P79</a:t>
-              </a:r>
-              <a:r>
-                <a:rPr lang="zh-CN" altLang="en-US" sz="2099" dirty="0">
-                  <a:solidFill>
-                    <a:srgbClr val="253C8E"/>
-                  </a:solidFill>
-                  <a:latin typeface="微软雅黑 Light" panose="020B0502040204020203" pitchFamily="34" charset="-122"/>
-                  <a:ea typeface="微软雅黑 Light" panose="020B0502040204020203" pitchFamily="34" charset="-122"/>
-                </a:rPr>
-                <a:t>，表</a:t>
-              </a:r>
-              <a:r>
-                <a:rPr lang="en-US" altLang="zh-CN" sz="2099" dirty="0">
-                  <a:solidFill>
-                    <a:srgbClr val="253C8E"/>
-                  </a:solidFill>
-                  <a:latin typeface="微软雅黑 Light" panose="020B0502040204020203" pitchFamily="34" charset="-122"/>
-                  <a:ea typeface="微软雅黑 Light" panose="020B0502040204020203" pitchFamily="34" charset="-122"/>
-                </a:rPr>
-                <a:t>5.6</a:t>
-              </a:r>
-              <a:r>
-                <a:rPr lang="zh-CN" altLang="en-US" sz="2099" dirty="0">
-                  <a:solidFill>
-                    <a:srgbClr val="253C8E"/>
-                  </a:solidFill>
-                  <a:latin typeface="微软雅黑 Light" panose="020B0502040204020203" pitchFamily="34" charset="-122"/>
-                  <a:ea typeface="微软雅黑 Light" panose="020B0502040204020203" pitchFamily="34" charset="-122"/>
-                </a:rPr>
-                <a:t>）</a:t>
+                <a:t>正则表达式所支持的合法字符</a:t>
               </a:r>
             </a:p>
           </p:txBody>
@@ -24905,7 +24754,7 @@
         <p:blinds dir="vert"/>
       </p:transition>
     </mc:Choice>
-    <mc:Fallback xmlns:p15="http://schemas.microsoft.com/office/powerpoint/2012/main" xmlns="">
+    <mc:Fallback xmlns="" xmlns:p15="http://schemas.microsoft.com/office/powerpoint/2012/main">
       <p:transition spd="slow" advClick="0">
         <p:blinds dir="vert"/>
       </p:transition>
@@ -26255,7 +26104,7 @@
         <p:blinds dir="vert"/>
       </p:transition>
     </mc:Choice>
-    <mc:Fallback xmlns:p15="http://schemas.microsoft.com/office/powerpoint/2012/main" xmlns="">
+    <mc:Fallback xmlns="" xmlns:p15="http://schemas.microsoft.com/office/powerpoint/2012/main">
       <p:transition spd="slow" advClick="0">
         <p:blinds dir="vert"/>
       </p:transition>
@@ -27165,7 +27014,7 @@
     <mc:Choice Requires="p14">
       <p:transition spd="slow" p14:dur="2000" advClick="0"/>
     </mc:Choice>
-    <mc:Fallback xmlns:p15="http://schemas.microsoft.com/office/powerpoint/2012/main" xmlns="">
+    <mc:Fallback xmlns="" xmlns:p15="http://schemas.microsoft.com/office/powerpoint/2012/main">
       <p:transition spd="slow" advClick="0"/>
     </mc:Fallback>
   </mc:AlternateContent>
@@ -33587,7 +33436,7 @@
         <p:blinds dir="vert"/>
       </p:transition>
     </mc:Choice>
-    <mc:Fallback xmlns:p15="http://schemas.microsoft.com/office/powerpoint/2012/main" xmlns="">
+    <mc:Fallback xmlns="" xmlns:p15="http://schemas.microsoft.com/office/powerpoint/2012/main">
       <p:transition spd="slow" advClick="0">
         <p:blinds dir="vert"/>
       </p:transition>
@@ -34858,7 +34707,7 @@
         <p:blinds dir="vert"/>
       </p:transition>
     </mc:Choice>
-    <mc:Fallback xmlns:p15="http://schemas.microsoft.com/office/powerpoint/2012/main" xmlns="">
+    <mc:Fallback xmlns="" xmlns:p15="http://schemas.microsoft.com/office/powerpoint/2012/main">
       <p:transition spd="slow" advClick="0">
         <p:blinds dir="vert"/>
       </p:transition>
